--- a/ME 5 Presentation.pptx
+++ b/ME 5 Presentation.pptx
@@ -106,6 +106,11 @@
       </a:defRPr>
     </a:lvl9pPr>
   </p:defaultTextStyle>
+  <p:extLst>
+    <p:ext uri="{EFAFB233-063F-42B5-8137-9DF3F51BA10A}">
+      <p15:sldGuideLst xmlns:p15="http://schemas.microsoft.com/office/powerpoint/2012/main"/>
+    </p:ext>
+  </p:extLst>
 </p:presentation>
 </file>
 
@@ -258,7 +263,7 @@
           <a:p>
             <a:fld id="{50E6D715-0DAD-4288-84EF-731ADDB55EF5}" type="datetimeFigureOut">
               <a:rPr lang="en-PH" smtClean="0"/>
-              <a:t>21/11/2024</a:t>
+              <a:t>23/11/2024</a:t>
             </a:fld>
             <a:endParaRPr lang="en-PH"/>
           </a:p>
@@ -458,7 +463,7 @@
           <a:p>
             <a:fld id="{50E6D715-0DAD-4288-84EF-731ADDB55EF5}" type="datetimeFigureOut">
               <a:rPr lang="en-PH" smtClean="0"/>
-              <a:t>21/11/2024</a:t>
+              <a:t>23/11/2024</a:t>
             </a:fld>
             <a:endParaRPr lang="en-PH"/>
           </a:p>
@@ -668,7 +673,7 @@
           <a:p>
             <a:fld id="{50E6D715-0DAD-4288-84EF-731ADDB55EF5}" type="datetimeFigureOut">
               <a:rPr lang="en-PH" smtClean="0"/>
-              <a:t>21/11/2024</a:t>
+              <a:t>23/11/2024</a:t>
             </a:fld>
             <a:endParaRPr lang="en-PH"/>
           </a:p>
@@ -868,7 +873,7 @@
           <a:p>
             <a:fld id="{50E6D715-0DAD-4288-84EF-731ADDB55EF5}" type="datetimeFigureOut">
               <a:rPr lang="en-PH" smtClean="0"/>
-              <a:t>21/11/2024</a:t>
+              <a:t>23/11/2024</a:t>
             </a:fld>
             <a:endParaRPr lang="en-PH"/>
           </a:p>
@@ -1144,7 +1149,7 @@
           <a:p>
             <a:fld id="{50E6D715-0DAD-4288-84EF-731ADDB55EF5}" type="datetimeFigureOut">
               <a:rPr lang="en-PH" smtClean="0"/>
-              <a:t>21/11/2024</a:t>
+              <a:t>23/11/2024</a:t>
             </a:fld>
             <a:endParaRPr lang="en-PH"/>
           </a:p>
@@ -1412,7 +1417,7 @@
           <a:p>
             <a:fld id="{50E6D715-0DAD-4288-84EF-731ADDB55EF5}" type="datetimeFigureOut">
               <a:rPr lang="en-PH" smtClean="0"/>
-              <a:t>21/11/2024</a:t>
+              <a:t>23/11/2024</a:t>
             </a:fld>
             <a:endParaRPr lang="en-PH"/>
           </a:p>
@@ -1827,7 +1832,7 @@
           <a:p>
             <a:fld id="{50E6D715-0DAD-4288-84EF-731ADDB55EF5}" type="datetimeFigureOut">
               <a:rPr lang="en-PH" smtClean="0"/>
-              <a:t>21/11/2024</a:t>
+              <a:t>23/11/2024</a:t>
             </a:fld>
             <a:endParaRPr lang="en-PH"/>
           </a:p>
@@ -1969,7 +1974,7 @@
           <a:p>
             <a:fld id="{50E6D715-0DAD-4288-84EF-731ADDB55EF5}" type="datetimeFigureOut">
               <a:rPr lang="en-PH" smtClean="0"/>
-              <a:t>21/11/2024</a:t>
+              <a:t>23/11/2024</a:t>
             </a:fld>
             <a:endParaRPr lang="en-PH"/>
           </a:p>
@@ -2082,7 +2087,7 @@
           <a:p>
             <a:fld id="{50E6D715-0DAD-4288-84EF-731ADDB55EF5}" type="datetimeFigureOut">
               <a:rPr lang="en-PH" smtClean="0"/>
-              <a:t>21/11/2024</a:t>
+              <a:t>23/11/2024</a:t>
             </a:fld>
             <a:endParaRPr lang="en-PH"/>
           </a:p>
@@ -2395,7 +2400,7 @@
           <a:p>
             <a:fld id="{50E6D715-0DAD-4288-84EF-731ADDB55EF5}" type="datetimeFigureOut">
               <a:rPr lang="en-PH" smtClean="0"/>
-              <a:t>21/11/2024</a:t>
+              <a:t>23/11/2024</a:t>
             </a:fld>
             <a:endParaRPr lang="en-PH"/>
           </a:p>
@@ -2684,7 +2689,7 @@
           <a:p>
             <a:fld id="{50E6D715-0DAD-4288-84EF-731ADDB55EF5}" type="datetimeFigureOut">
               <a:rPr lang="en-PH" smtClean="0"/>
-              <a:t>21/11/2024</a:t>
+              <a:t>23/11/2024</a:t>
             </a:fld>
             <a:endParaRPr lang="en-PH"/>
           </a:p>
@@ -2927,7 +2932,7 @@
           <a:p>
             <a:fld id="{50E6D715-0DAD-4288-84EF-731ADDB55EF5}" type="datetimeFigureOut">
               <a:rPr lang="en-PH" smtClean="0"/>
-              <a:t>21/11/2024</a:t>
+              <a:t>23/11/2024</a:t>
             </a:fld>
             <a:endParaRPr lang="en-PH"/>
           </a:p>
@@ -3330,6 +3335,14 @@
 <file path=ppt/slides/slide1.xml><?xml version="1.0" encoding="utf-8"?>
 <p:sld xmlns:a="http://schemas.openxmlformats.org/drawingml/2006/main" xmlns:r="http://schemas.openxmlformats.org/officeDocument/2006/relationships" xmlns:p="http://schemas.openxmlformats.org/presentationml/2006/main">
   <p:cSld>
+    <p:bg>
+      <p:bgPr>
+        <a:solidFill>
+          <a:schemeClr val="bg1"/>
+        </a:solidFill>
+        <a:effectLst/>
+      </p:bgPr>
+    </p:bg>
     <p:spTree>
       <p:nvGrpSpPr>
         <p:cNvPr id="1" name=""/>
@@ -3344,6 +3357,66 @@
           <a:chExt cx="0" cy="0"/>
         </a:xfrm>
       </p:grpSpPr>
+      <p:sp useBgFill="1">
+        <p:nvSpPr>
+          <p:cNvPr id="12" name="Rectangle 11">
+            <a:extLst>
+              <a:ext uri="{FF2B5EF4-FFF2-40B4-BE49-F238E27FC236}">
+                <a16:creationId xmlns:a16="http://schemas.microsoft.com/office/drawing/2014/main" id="{F13C74B1-5B17-4795-BED0-7140497B445A}"/>
+              </a:ext>
+              <a:ext uri="{C183D7F6-B498-43B3-948B-1728B52AA6E4}">
+                <adec:decorative xmlns:adec="http://schemas.microsoft.com/office/drawing/2017/decorative" val="1"/>
+              </a:ext>
+            </a:extLst>
+          </p:cNvPr>
+          <p:cNvSpPr>
+            <a:spLocks noGrp="1" noRot="1" noChangeAspect="1" noMove="1" noResize="1" noEditPoints="1" noAdjustHandles="1" noChangeArrowheads="1" noChangeShapeType="1" noTextEdit="1"/>
+          </p:cNvSpPr>
+          <p:nvPr>
+            <p:extLst>
+              <p:ext uri="{386F3935-93C4-4BCD-93E2-E3B085C9AB24}">
+                <p16:designElem xmlns:p16="http://schemas.microsoft.com/office/powerpoint/2015/main" val="1"/>
+              </p:ext>
+            </p:extLst>
+          </p:nvPr>
+        </p:nvSpPr>
+        <p:spPr>
+          <a:xfrm>
+            <a:off x="0" y="0"/>
+            <a:ext cx="12188952" cy="6858000"/>
+          </a:xfrm>
+          <a:prstGeom prst="rect">
+            <a:avLst/>
+          </a:prstGeom>
+          <a:ln>
+            <a:noFill/>
+          </a:ln>
+        </p:spPr>
+        <p:style>
+          <a:lnRef idx="2">
+            <a:schemeClr val="accent1">
+              <a:shade val="50000"/>
+            </a:schemeClr>
+          </a:lnRef>
+          <a:fillRef idx="1">
+            <a:schemeClr val="accent1"/>
+          </a:fillRef>
+          <a:effectRef idx="0">
+            <a:schemeClr val="accent1"/>
+          </a:effectRef>
+          <a:fontRef idx="minor">
+            <a:schemeClr val="lt1"/>
+          </a:fontRef>
+        </p:style>
+        <p:txBody>
+          <a:bodyPr rtlCol="0" anchor="ctr"/>
+          <a:lstStyle/>
+          <a:p>
+            <a:pPr algn="ctr"/>
+            <a:endParaRPr lang="en-US"/>
+          </a:p>
+        </p:txBody>
+      </p:sp>
       <p:sp>
         <p:nvSpPr>
           <p:cNvPr id="2" name="Title 1">
@@ -3360,20 +3433,27 @@
             <p:ph type="title"/>
           </p:nvPr>
         </p:nvSpPr>
-        <p:spPr/>
-        <p:txBody>
-          <a:bodyPr/>
-          <a:lstStyle/>
-          <a:p>
-            <a:r>
-              <a:rPr lang="en-PH" dirty="0"/>
+        <p:spPr>
+          <a:xfrm>
+            <a:off x="640080" y="325369"/>
+            <a:ext cx="4368602" cy="1956841"/>
+          </a:xfrm>
+        </p:spPr>
+        <p:txBody>
+          <a:bodyPr anchor="b">
+            <a:normAutofit/>
+          </a:bodyPr>
+          <a:lstStyle/>
+          <a:p>
+            <a:r>
+              <a:rPr lang="en-PH" sz="3800"/>
               <a:t>Machine Exercise 5 – Grocery Detection</a:t>
             </a:r>
             <a:br>
-              <a:rPr lang="en-PH" dirty="0"/>
+              <a:rPr lang="en-PH" sz="3800"/>
             </a:br>
             <a:r>
-              <a:rPr lang="en-PH" dirty="0"/>
+              <a:rPr lang="en-PH" sz="3800"/>
               <a:t>Miguel Luis Martinez</a:t>
             </a:r>
           </a:p>
@@ -3381,6 +3461,289 @@
       </p:sp>
       <p:sp>
         <p:nvSpPr>
+          <p:cNvPr id="14" name="sketchy line">
+            <a:extLst>
+              <a:ext uri="{FF2B5EF4-FFF2-40B4-BE49-F238E27FC236}">
+                <a16:creationId xmlns:a16="http://schemas.microsoft.com/office/drawing/2014/main" id="{D4974D33-8DC5-464E-8C6D-BE58F0669C17}"/>
+              </a:ext>
+              <a:ext uri="{C183D7F6-B498-43B3-948B-1728B52AA6E4}">
+                <adec:decorative xmlns:adec="http://schemas.microsoft.com/office/drawing/2017/decorative" val="1"/>
+              </a:ext>
+            </a:extLst>
+          </p:cNvPr>
+          <p:cNvSpPr>
+            <a:spLocks noGrp="1" noRot="1" noChangeAspect="1" noMove="1" noResize="1" noEditPoints="1" noAdjustHandles="1" noChangeArrowheads="1" noChangeShapeType="1" noTextEdit="1"/>
+          </p:cNvSpPr>
+          <p:nvPr>
+            <p:extLst>
+              <p:ext uri="{386F3935-93C4-4BCD-93E2-E3B085C9AB24}">
+                <p16:designElem xmlns:p16="http://schemas.microsoft.com/office/powerpoint/2015/main" val="1"/>
+              </p:ext>
+            </p:extLst>
+          </p:nvPr>
+        </p:nvSpPr>
+        <p:spPr>
+          <a:xfrm>
+            <a:off x="640080" y="2586994"/>
+            <a:ext cx="3474720" cy="18288"/>
+          </a:xfrm>
+          <a:custGeom>
+            <a:avLst/>
+            <a:gdLst>
+              <a:gd name="connsiteX0" fmla="*/ 0 w 3474720"/>
+              <a:gd name="connsiteY0" fmla="*/ 0 h 18288"/>
+              <a:gd name="connsiteX1" fmla="*/ 694944 w 3474720"/>
+              <a:gd name="connsiteY1" fmla="*/ 0 h 18288"/>
+              <a:gd name="connsiteX2" fmla="*/ 1355141 w 3474720"/>
+              <a:gd name="connsiteY2" fmla="*/ 0 h 18288"/>
+              <a:gd name="connsiteX3" fmla="*/ 2015338 w 3474720"/>
+              <a:gd name="connsiteY3" fmla="*/ 0 h 18288"/>
+              <a:gd name="connsiteX4" fmla="*/ 2779776 w 3474720"/>
+              <a:gd name="connsiteY4" fmla="*/ 0 h 18288"/>
+              <a:gd name="connsiteX5" fmla="*/ 3474720 w 3474720"/>
+              <a:gd name="connsiteY5" fmla="*/ 0 h 18288"/>
+              <a:gd name="connsiteX6" fmla="*/ 3474720 w 3474720"/>
+              <a:gd name="connsiteY6" fmla="*/ 18288 h 18288"/>
+              <a:gd name="connsiteX7" fmla="*/ 2779776 w 3474720"/>
+              <a:gd name="connsiteY7" fmla="*/ 18288 h 18288"/>
+              <a:gd name="connsiteX8" fmla="*/ 2189074 w 3474720"/>
+              <a:gd name="connsiteY8" fmla="*/ 18288 h 18288"/>
+              <a:gd name="connsiteX9" fmla="*/ 1528877 w 3474720"/>
+              <a:gd name="connsiteY9" fmla="*/ 18288 h 18288"/>
+              <a:gd name="connsiteX10" fmla="*/ 868680 w 3474720"/>
+              <a:gd name="connsiteY10" fmla="*/ 18288 h 18288"/>
+              <a:gd name="connsiteX11" fmla="*/ 0 w 3474720"/>
+              <a:gd name="connsiteY11" fmla="*/ 18288 h 18288"/>
+              <a:gd name="connsiteX12" fmla="*/ 0 w 3474720"/>
+              <a:gd name="connsiteY12" fmla="*/ 0 h 18288"/>
+            </a:gdLst>
+            <a:ahLst/>
+            <a:cxnLst>
+              <a:cxn ang="0">
+                <a:pos x="connsiteX0" y="connsiteY0"/>
+              </a:cxn>
+              <a:cxn ang="0">
+                <a:pos x="connsiteX1" y="connsiteY1"/>
+              </a:cxn>
+              <a:cxn ang="0">
+                <a:pos x="connsiteX2" y="connsiteY2"/>
+              </a:cxn>
+              <a:cxn ang="0">
+                <a:pos x="connsiteX3" y="connsiteY3"/>
+              </a:cxn>
+              <a:cxn ang="0">
+                <a:pos x="connsiteX4" y="connsiteY4"/>
+              </a:cxn>
+              <a:cxn ang="0">
+                <a:pos x="connsiteX5" y="connsiteY5"/>
+              </a:cxn>
+              <a:cxn ang="0">
+                <a:pos x="connsiteX6" y="connsiteY6"/>
+              </a:cxn>
+              <a:cxn ang="0">
+                <a:pos x="connsiteX7" y="connsiteY7"/>
+              </a:cxn>
+              <a:cxn ang="0">
+                <a:pos x="connsiteX8" y="connsiteY8"/>
+              </a:cxn>
+              <a:cxn ang="0">
+                <a:pos x="connsiteX9" y="connsiteY9"/>
+              </a:cxn>
+              <a:cxn ang="0">
+                <a:pos x="connsiteX10" y="connsiteY10"/>
+              </a:cxn>
+              <a:cxn ang="0">
+                <a:pos x="connsiteX11" y="connsiteY11"/>
+              </a:cxn>
+              <a:cxn ang="0">
+                <a:pos x="connsiteX12" y="connsiteY12"/>
+              </a:cxn>
+            </a:cxnLst>
+            <a:rect l="l" t="t" r="r" b="b"/>
+            <a:pathLst>
+              <a:path w="3474720" h="18288" fill="none" extrusionOk="0">
+                <a:moveTo>
+                  <a:pt x="0" y="0"/>
+                </a:moveTo>
+                <a:cubicBezTo>
+                  <a:pt x="224454" y="-14544"/>
+                  <a:pt x="495407" y="26540"/>
+                  <a:pt x="694944" y="0"/>
+                </a:cubicBezTo>
+                <a:cubicBezTo>
+                  <a:pt x="894481" y="-26540"/>
+                  <a:pt x="1130063" y="24713"/>
+                  <a:pt x="1355141" y="0"/>
+                </a:cubicBezTo>
+                <a:cubicBezTo>
+                  <a:pt x="1580219" y="-24713"/>
+                  <a:pt x="1820099" y="26695"/>
+                  <a:pt x="2015338" y="0"/>
+                </a:cubicBezTo>
+                <a:cubicBezTo>
+                  <a:pt x="2210577" y="-26695"/>
+                  <a:pt x="2402045" y="165"/>
+                  <a:pt x="2779776" y="0"/>
+                </a:cubicBezTo>
+                <a:cubicBezTo>
+                  <a:pt x="3157507" y="-165"/>
+                  <a:pt x="3286859" y="-15571"/>
+                  <a:pt x="3474720" y="0"/>
+                </a:cubicBezTo>
+                <a:cubicBezTo>
+                  <a:pt x="3474286" y="7551"/>
+                  <a:pt x="3474253" y="9822"/>
+                  <a:pt x="3474720" y="18288"/>
+                </a:cubicBezTo>
+                <a:cubicBezTo>
+                  <a:pt x="3233904" y="29845"/>
+                  <a:pt x="2945134" y="-5256"/>
+                  <a:pt x="2779776" y="18288"/>
+                </a:cubicBezTo>
+                <a:cubicBezTo>
+                  <a:pt x="2614418" y="41832"/>
+                  <a:pt x="2339768" y="22709"/>
+                  <a:pt x="2189074" y="18288"/>
+                </a:cubicBezTo>
+                <a:cubicBezTo>
+                  <a:pt x="2038380" y="13867"/>
+                  <a:pt x="1817434" y="-4947"/>
+                  <a:pt x="1528877" y="18288"/>
+                </a:cubicBezTo>
+                <a:cubicBezTo>
+                  <a:pt x="1240320" y="41523"/>
+                  <a:pt x="1042447" y="37198"/>
+                  <a:pt x="868680" y="18288"/>
+                </a:cubicBezTo>
+                <a:cubicBezTo>
+                  <a:pt x="694913" y="-622"/>
+                  <a:pt x="233232" y="44909"/>
+                  <a:pt x="0" y="18288"/>
+                </a:cubicBezTo>
+                <a:cubicBezTo>
+                  <a:pt x="60" y="11696"/>
+                  <a:pt x="66" y="3758"/>
+                  <a:pt x="0" y="0"/>
+                </a:cubicBezTo>
+                <a:close/>
+              </a:path>
+              <a:path w="3474720" h="18288" stroke="0" extrusionOk="0">
+                <a:moveTo>
+                  <a:pt x="0" y="0"/>
+                </a:moveTo>
+                <a:cubicBezTo>
+                  <a:pt x="202328" y="-14716"/>
+                  <a:pt x="332722" y="-11499"/>
+                  <a:pt x="625450" y="0"/>
+                </a:cubicBezTo>
+                <a:cubicBezTo>
+                  <a:pt x="918178" y="11499"/>
+                  <a:pt x="1096688" y="5123"/>
+                  <a:pt x="1389888" y="0"/>
+                </a:cubicBezTo>
+                <a:cubicBezTo>
+                  <a:pt x="1683088" y="-5123"/>
+                  <a:pt x="1835981" y="-14038"/>
+                  <a:pt x="1980590" y="0"/>
+                </a:cubicBezTo>
+                <a:cubicBezTo>
+                  <a:pt x="2125199" y="14038"/>
+                  <a:pt x="2396099" y="-7203"/>
+                  <a:pt x="2571293" y="0"/>
+                </a:cubicBezTo>
+                <a:cubicBezTo>
+                  <a:pt x="2746487" y="7203"/>
+                  <a:pt x="3041609" y="-12036"/>
+                  <a:pt x="3474720" y="0"/>
+                </a:cubicBezTo>
+                <a:cubicBezTo>
+                  <a:pt x="3474638" y="4406"/>
+                  <a:pt x="3474631" y="9982"/>
+                  <a:pt x="3474720" y="18288"/>
+                </a:cubicBezTo>
+                <a:cubicBezTo>
+                  <a:pt x="3324873" y="21876"/>
+                  <a:pt x="3136771" y="12587"/>
+                  <a:pt x="2814523" y="18288"/>
+                </a:cubicBezTo>
+                <a:cubicBezTo>
+                  <a:pt x="2492275" y="23989"/>
+                  <a:pt x="2294402" y="47111"/>
+                  <a:pt x="2154326" y="18288"/>
+                </a:cubicBezTo>
+                <a:cubicBezTo>
+                  <a:pt x="2014250" y="-10535"/>
+                  <a:pt x="1820317" y="33903"/>
+                  <a:pt x="1494130" y="18288"/>
+                </a:cubicBezTo>
+                <a:cubicBezTo>
+                  <a:pt x="1167943" y="2673"/>
+                  <a:pt x="948432" y="14868"/>
+                  <a:pt x="729691" y="18288"/>
+                </a:cubicBezTo>
+                <a:cubicBezTo>
+                  <a:pt x="510950" y="21708"/>
+                  <a:pt x="264032" y="24354"/>
+                  <a:pt x="0" y="18288"/>
+                </a:cubicBezTo>
+                <a:cubicBezTo>
+                  <a:pt x="189" y="14288"/>
+                  <a:pt x="-703" y="3747"/>
+                  <a:pt x="0" y="0"/>
+                </a:cubicBezTo>
+                <a:close/>
+              </a:path>
+            </a:pathLst>
+          </a:custGeom>
+          <a:solidFill>
+            <a:schemeClr val="accent2"/>
+          </a:solidFill>
+          <a:ln w="44450" cap="rnd">
+            <a:solidFill>
+              <a:schemeClr val="accent2"/>
+            </a:solidFill>
+            <a:round/>
+            <a:extLst>
+              <a:ext uri="{C807C97D-BFC1-408E-A445-0C87EB9F89A2}">
+                <ask:lineSketchStyleProps xmlns:ask="http://schemas.microsoft.com/office/drawing/2018/sketchyshapes" sd="2863741219">
+                  <a:prstGeom prst="rect">
+                    <a:avLst/>
+                  </a:prstGeom>
+                  <ask:type>
+                    <ask:lineSketchFreehand/>
+                  </ask:type>
+                </ask:lineSketchStyleProps>
+              </a:ext>
+            </a:extLst>
+          </a:ln>
+        </p:spPr>
+        <p:style>
+          <a:lnRef idx="2">
+            <a:schemeClr val="accent1">
+              <a:shade val="50000"/>
+            </a:schemeClr>
+          </a:lnRef>
+          <a:fillRef idx="1">
+            <a:schemeClr val="accent1"/>
+          </a:fillRef>
+          <a:effectRef idx="0">
+            <a:schemeClr val="accent1"/>
+          </a:effectRef>
+          <a:fontRef idx="minor">
+            <a:schemeClr val="lt1"/>
+          </a:fontRef>
+        </p:style>
+        <p:txBody>
+          <a:bodyPr rtlCol="0" anchor="ctr"/>
+          <a:lstStyle/>
+          <a:p>
+            <a:pPr algn="ctr"/>
+            <a:endParaRPr lang="en-US"/>
+          </a:p>
+        </p:txBody>
+      </p:sp>
+      <p:sp>
+        <p:nvSpPr>
           <p:cNvPr id="3" name="Content Placeholder 2">
             <a:extLst>
               <a:ext uri="{FF2B5EF4-FFF2-40B4-BE49-F238E27FC236}">
@@ -3395,41 +3758,202 @@
             <p:ph idx="1"/>
           </p:nvPr>
         </p:nvSpPr>
-        <p:spPr/>
-        <p:txBody>
-          <a:bodyPr/>
-          <a:lstStyle/>
-          <a:p>
-            <a:r>
-              <a:rPr lang="en-PH" dirty="0"/>
+        <p:spPr>
+          <a:xfrm>
+            <a:off x="640080" y="2872899"/>
+            <a:ext cx="4243589" cy="3320668"/>
+          </a:xfrm>
+        </p:spPr>
+        <p:txBody>
+          <a:bodyPr>
+            <a:normAutofit/>
+          </a:bodyPr>
+          <a:lstStyle/>
+          <a:p>
+            <a:r>
+              <a:rPr lang="en-PH" sz="2200" dirty="0"/>
               <a:t>Uses YOLOv11 fine-tuned on grocery dataset</a:t>
             </a:r>
           </a:p>
           <a:p>
             <a:r>
-              <a:rPr lang="en-PH" dirty="0"/>
+              <a:rPr lang="en-PH" sz="2200" dirty="0"/>
               <a:t>24 classes, 7604 train + 845 </a:t>
             </a:r>
             <a:r>
-              <a:rPr lang="en-PH" dirty="0" err="1"/>
+              <a:rPr lang="en-PH" sz="2200" dirty="0" err="1"/>
               <a:t>val</a:t>
             </a:r>
             <a:r>
-              <a:rPr lang="en-PH" dirty="0"/>
+              <a:rPr lang="en-PH" sz="2200" dirty="0"/>
               <a:t> in total</a:t>
             </a:r>
           </a:p>
           <a:p>
-            <a:r>
-              <a:rPr lang="en-PH" dirty="0"/>
+            <a:pPr lvl="1"/>
+            <a:r>
+              <a:rPr lang="en-PH" sz="1800" dirty="0"/>
+              <a:t>Preprocessing used to convert COCO to YOLO and fix incorrectly oriented/sized annotations</a:t>
+            </a:r>
+          </a:p>
+          <a:p>
+            <a:r>
+              <a:rPr lang="en-PH" sz="2200" dirty="0"/>
               <a:t>Train over 500 epochs</a:t>
             </a:r>
           </a:p>
           <a:p>
-            <a:endParaRPr lang="en-PH" dirty="0"/>
-          </a:p>
-        </p:txBody>
-      </p:sp>
+            <a:endParaRPr lang="en-PH" sz="2200" dirty="0"/>
+          </a:p>
+        </p:txBody>
+      </p:sp>
+      <p:pic>
+        <p:nvPicPr>
+          <p:cNvPr id="7" name="Picture 6" descr="A collage of images of various items&#10;&#10;Description automatically generated">
+            <a:extLst>
+              <a:ext uri="{FF2B5EF4-FFF2-40B4-BE49-F238E27FC236}">
+                <a16:creationId xmlns:a16="http://schemas.microsoft.com/office/drawing/2014/main" id="{756F897C-5AF8-89B5-8E1C-5CBB206214CA}"/>
+              </a:ext>
+            </a:extLst>
+          </p:cNvPr>
+          <p:cNvPicPr>
+            <a:picLocks noChangeAspect="1"/>
+          </p:cNvPicPr>
+          <p:nvPr/>
+        </p:nvPicPr>
+        <p:blipFill>
+          <a:blip r:embed="rId2">
+            <a:extLst>
+              <a:ext uri="{28A0092B-C50C-407E-A947-70E740481C1C}">
+                <a14:useLocalDpi xmlns:a14="http://schemas.microsoft.com/office/drawing/2010/main" val="0"/>
+              </a:ext>
+            </a:extLst>
+          </a:blip>
+          <a:srcRect l="10395" r="13123" b="-1"/>
+          <a:stretch/>
+        </p:blipFill>
+        <p:spPr>
+          <a:xfrm>
+            <a:off x="5311702" y="10"/>
+            <a:ext cx="6878775" cy="6857990"/>
+          </a:xfrm>
+          <a:custGeom>
+            <a:avLst/>
+            <a:gdLst/>
+            <a:ahLst/>
+            <a:cxnLst/>
+            <a:rect l="l" t="t" r="r" b="b"/>
+            <a:pathLst>
+              <a:path w="6878775" h="6858000">
+                <a:moveTo>
+                  <a:pt x="1102973" y="0"/>
+                </a:moveTo>
+                <a:lnTo>
+                  <a:pt x="1160688" y="0"/>
+                </a:lnTo>
+                <a:lnTo>
+                  <a:pt x="983189" y="331786"/>
+                </a:lnTo>
+                <a:cubicBezTo>
+                  <a:pt x="914866" y="469145"/>
+                  <a:pt x="850355" y="608712"/>
+                  <a:pt x="789261" y="750263"/>
+                </a:cubicBezTo>
+                <a:cubicBezTo>
+                  <a:pt x="774307" y="784928"/>
+                  <a:pt x="759992" y="819849"/>
+                  <a:pt x="745295" y="854514"/>
+                </a:cubicBezTo>
+                <a:cubicBezTo>
+                  <a:pt x="756682" y="845393"/>
+                  <a:pt x="765489" y="833492"/>
+                  <a:pt x="770857" y="819975"/>
+                </a:cubicBezTo>
+                <a:cubicBezTo>
+                  <a:pt x="879943" y="589569"/>
+                  <a:pt x="999605" y="365513"/>
+                  <a:pt x="1131329" y="148742"/>
+                </a:cubicBezTo>
+                <a:lnTo>
+                  <a:pt x="1227589" y="0"/>
+                </a:lnTo>
+                <a:lnTo>
+                  <a:pt x="6878775" y="0"/>
+                </a:lnTo>
+                <a:lnTo>
+                  <a:pt x="6878775" y="6858000"/>
+                </a:lnTo>
+                <a:lnTo>
+                  <a:pt x="713521" y="6858000"/>
+                </a:lnTo>
+                <a:lnTo>
+                  <a:pt x="625642" y="6670527"/>
+                </a:lnTo>
+                <a:cubicBezTo>
+                  <a:pt x="507232" y="6398531"/>
+                  <a:pt x="403083" y="6118381"/>
+                  <a:pt x="312785" y="5830359"/>
+                </a:cubicBezTo>
+                <a:cubicBezTo>
+                  <a:pt x="278149" y="5719759"/>
+                  <a:pt x="248879" y="5607635"/>
+                  <a:pt x="212198" y="5480401"/>
+                </a:cubicBezTo>
+                <a:cubicBezTo>
+                  <a:pt x="212208" y="5491601"/>
+                  <a:pt x="212803" y="5502788"/>
+                  <a:pt x="213988" y="5513923"/>
+                </a:cubicBezTo>
+                <a:cubicBezTo>
+                  <a:pt x="264089" y="5723695"/>
+                  <a:pt x="307290" y="5935370"/>
+                  <a:pt x="365826" y="6142729"/>
+                </a:cubicBezTo>
+                <a:cubicBezTo>
+                  <a:pt x="433152" y="6380817"/>
+                  <a:pt x="510068" y="6614016"/>
+                  <a:pt x="597975" y="6841549"/>
+                </a:cubicBezTo>
+                <a:lnTo>
+                  <a:pt x="604824" y="6858000"/>
+                </a:lnTo>
+                <a:lnTo>
+                  <a:pt x="552056" y="6858000"/>
+                </a:lnTo>
+                <a:lnTo>
+                  <a:pt x="539576" y="6828295"/>
+                </a:lnTo>
+                <a:cubicBezTo>
+                  <a:pt x="380597" y="6414594"/>
+                  <a:pt x="260223" y="5988893"/>
+                  <a:pt x="171555" y="5552906"/>
+                </a:cubicBezTo>
+                <a:cubicBezTo>
+                  <a:pt x="91163" y="5157998"/>
+                  <a:pt x="43746" y="4758899"/>
+                  <a:pt x="12305" y="4357388"/>
+                </a:cubicBezTo>
+                <a:cubicBezTo>
+                  <a:pt x="-14281" y="4013908"/>
+                  <a:pt x="4507" y="3672965"/>
+                  <a:pt x="46684" y="3331516"/>
+                </a:cubicBezTo>
+                <a:cubicBezTo>
+                  <a:pt x="127203" y="2664286"/>
+                  <a:pt x="277819" y="2007265"/>
+                  <a:pt x="496065" y="1371196"/>
+                </a:cubicBezTo>
+                <a:cubicBezTo>
+                  <a:pt x="636273" y="966066"/>
+                  <a:pt x="800445" y="573253"/>
+                  <a:pt x="995723" y="196614"/>
+                </a:cubicBezTo>
+                <a:close/>
+              </a:path>
+            </a:pathLst>
+          </a:custGeom>
+        </p:spPr>
+      </p:pic>
     </p:spTree>
     <p:extLst>
       <p:ext uri="{BB962C8B-B14F-4D97-AF65-F5344CB8AC3E}">
@@ -3512,13 +4036,13 @@
               </a:ext>
             </a:extLst>
           </a:blip>
-          <a:srcRect l="10223"/>
+          <a:srcRect l="8934" b="29680"/>
           <a:stretch/>
         </p:blipFill>
         <p:spPr>
           <a:xfrm>
-            <a:off x="3707611" y="1567744"/>
-            <a:ext cx="5208664" cy="4351338"/>
+            <a:off x="6827521" y="719666"/>
+            <a:ext cx="5283498" cy="3059854"/>
           </a:xfrm>
         </p:spPr>
       </p:pic>
@@ -3549,100 +4073,463 @@
         </p:blipFill>
         <p:spPr>
           <a:xfrm>
-            <a:off x="8606117" y="1397000"/>
-            <a:ext cx="3081297" cy="4064000"/>
+            <a:off x="7630160" y="3992881"/>
+            <a:ext cx="4070488" cy="2694094"/>
           </a:xfrm>
           <a:prstGeom prst="rect">
             <a:avLst/>
           </a:prstGeom>
         </p:spPr>
       </p:pic>
-      <p:sp>
-        <p:nvSpPr>
-          <p:cNvPr id="8" name="TextBox 7">
-            <a:extLst>
-              <a:ext uri="{FF2B5EF4-FFF2-40B4-BE49-F238E27FC236}">
-                <a16:creationId xmlns:a16="http://schemas.microsoft.com/office/drawing/2014/main" id="{7D3A9BC9-4061-70AC-2B06-8230073A03D3}"/>
-              </a:ext>
-            </a:extLst>
-          </p:cNvPr>
-          <p:cNvSpPr txBox="1"/>
-          <p:nvPr/>
-        </p:nvSpPr>
-        <p:spPr>
-          <a:xfrm>
-            <a:off x="614722" y="1690688"/>
-            <a:ext cx="2699020" cy="1477328"/>
-          </a:xfrm>
-          <a:prstGeom prst="rect">
-            <a:avLst/>
-          </a:prstGeom>
-          <a:noFill/>
-        </p:spPr>
-        <p:txBody>
-          <a:bodyPr wrap="square" rtlCol="0">
-            <a:spAutoFit/>
-          </a:bodyPr>
-          <a:lstStyle/>
-          <a:p>
-            <a:r>
-              <a:rPr lang="en-PH" dirty="0"/>
-              <a:t>Total training time: 90606s</a:t>
-            </a:r>
-          </a:p>
-          <a:p>
-            <a:r>
-              <a:rPr lang="en-PH" dirty="0"/>
-              <a:t>mAP50: 0.9384</a:t>
-            </a:r>
-          </a:p>
-          <a:p>
-            <a:r>
-              <a:rPr lang="en-PH" dirty="0"/>
-              <a:t>mAP50-95:0.8758</a:t>
-            </a:r>
-          </a:p>
-          <a:p>
-            <a:endParaRPr lang="en-PH" dirty="0"/>
-          </a:p>
-        </p:txBody>
-      </p:sp>
-      <p:pic>
-        <p:nvPicPr>
-          <p:cNvPr id="16" name="Picture 15" descr="A screenshot of a video&#10;&#10;Description automatically generated">
-            <a:extLst>
-              <a:ext uri="{FF2B5EF4-FFF2-40B4-BE49-F238E27FC236}">
-                <a16:creationId xmlns:a16="http://schemas.microsoft.com/office/drawing/2014/main" id="{AFB4409B-BBC7-CAE5-2985-FC1EFE479495}"/>
-              </a:ext>
-            </a:extLst>
-          </p:cNvPr>
-          <p:cNvPicPr>
-            <a:picLocks noChangeAspect="1"/>
-          </p:cNvPicPr>
-          <p:nvPr/>
-        </p:nvPicPr>
-        <p:blipFill>
-          <a:blip r:embed="rId4">
-            <a:extLst>
-              <a:ext uri="{28A0092B-C50C-407E-A947-70E740481C1C}">
-                <a14:useLocalDpi xmlns:a14="http://schemas.microsoft.com/office/drawing/2010/main" val="0"/>
-              </a:ext>
-            </a:extLst>
-          </a:blip>
-          <a:stretch>
-            <a:fillRect/>
-          </a:stretch>
-        </p:blipFill>
-        <p:spPr>
-          <a:xfrm>
-            <a:off x="376064" y="3959164"/>
-            <a:ext cx="3491387" cy="2662183"/>
-          </a:xfrm>
-          <a:prstGeom prst="rect">
-            <a:avLst/>
-          </a:prstGeom>
-        </p:spPr>
-      </p:pic>
+      <p:graphicFrame>
+        <p:nvGraphicFramePr>
+          <p:cNvPr id="3" name="Table 2">
+            <a:extLst>
+              <a:ext uri="{FF2B5EF4-FFF2-40B4-BE49-F238E27FC236}">
+                <a16:creationId xmlns:a16="http://schemas.microsoft.com/office/drawing/2014/main" id="{367BA82C-0A31-BFE9-A3DA-B9CA8985827D}"/>
+              </a:ext>
+            </a:extLst>
+          </p:cNvPr>
+          <p:cNvGraphicFramePr>
+            <a:graphicFrameLocks noGrp="1"/>
+          </p:cNvGraphicFramePr>
+          <p:nvPr>
+            <p:extLst>
+              <p:ext uri="{D42A27DB-BD31-4B8C-83A1-F6EECF244321}">
+                <p14:modId xmlns:p14="http://schemas.microsoft.com/office/powerpoint/2010/main" val="2173363414"/>
+              </p:ext>
+            </p:extLst>
+          </p:nvPr>
+        </p:nvGraphicFramePr>
+        <p:xfrm>
+          <a:off x="491350" y="1690688"/>
+          <a:ext cx="6000890" cy="2291080"/>
+        </p:xfrm>
+        <a:graphic>
+          <a:graphicData uri="http://schemas.openxmlformats.org/drawingml/2006/table">
+            <a:tbl>
+              <a:tblPr firstRow="1" bandRow="1">
+                <a:tableStyleId>{5C22544A-7EE6-4342-B048-85BDC9FD1C3A}</a:tableStyleId>
+              </a:tblPr>
+              <a:tblGrid>
+                <a:gridCol w="1306970">
+                  <a:extLst>
+                    <a:ext uri="{9D8B030D-6E8A-4147-A177-3AD203B41FA5}">
+                      <a16:colId xmlns:a16="http://schemas.microsoft.com/office/drawing/2014/main" val="3520135025"/>
+                    </a:ext>
+                  </a:extLst>
+                </a:gridCol>
+                <a:gridCol w="1239520">
+                  <a:extLst>
+                    <a:ext uri="{9D8B030D-6E8A-4147-A177-3AD203B41FA5}">
+                      <a16:colId xmlns:a16="http://schemas.microsoft.com/office/drawing/2014/main" val="2381750449"/>
+                    </a:ext>
+                  </a:extLst>
+                </a:gridCol>
+                <a:gridCol w="1054044">
+                  <a:extLst>
+                    <a:ext uri="{9D8B030D-6E8A-4147-A177-3AD203B41FA5}">
+                      <a16:colId xmlns:a16="http://schemas.microsoft.com/office/drawing/2014/main" val="1756891949"/>
+                    </a:ext>
+                  </a:extLst>
+                </a:gridCol>
+                <a:gridCol w="1110036">
+                  <a:extLst>
+                    <a:ext uri="{9D8B030D-6E8A-4147-A177-3AD203B41FA5}">
+                      <a16:colId xmlns:a16="http://schemas.microsoft.com/office/drawing/2014/main" val="1520333159"/>
+                    </a:ext>
+                  </a:extLst>
+                </a:gridCol>
+                <a:gridCol w="1290320">
+                  <a:extLst>
+                    <a:ext uri="{9D8B030D-6E8A-4147-A177-3AD203B41FA5}">
+                      <a16:colId xmlns:a16="http://schemas.microsoft.com/office/drawing/2014/main" val="864476192"/>
+                    </a:ext>
+                  </a:extLst>
+                </a:gridCol>
+              </a:tblGrid>
+              <a:tr h="370840">
+                <a:tc>
+                  <a:txBody>
+                    <a:bodyPr/>
+                    <a:lstStyle/>
+                    <a:p>
+                      <a:r>
+                        <a:rPr lang="en-PH" dirty="0"/>
+                        <a:t>Model</a:t>
+                      </a:r>
+                    </a:p>
+                  </a:txBody>
+                  <a:tcPr/>
+                </a:tc>
+                <a:tc>
+                  <a:txBody>
+                    <a:bodyPr/>
+                    <a:lstStyle/>
+                    <a:p>
+                      <a:r>
+                        <a:rPr lang="en-PH" dirty="0"/>
+                        <a:t>Precision</a:t>
+                      </a:r>
+                    </a:p>
+                  </a:txBody>
+                  <a:tcPr/>
+                </a:tc>
+                <a:tc>
+                  <a:txBody>
+                    <a:bodyPr/>
+                    <a:lstStyle/>
+                    <a:p>
+                      <a:r>
+                        <a:rPr lang="en-PH" dirty="0"/>
+                        <a:t>Recall</a:t>
+                      </a:r>
+                    </a:p>
+                  </a:txBody>
+                  <a:tcPr/>
+                </a:tc>
+                <a:tc>
+                  <a:txBody>
+                    <a:bodyPr/>
+                    <a:lstStyle/>
+                    <a:p>
+                      <a:r>
+                        <a:rPr lang="en-PH" dirty="0"/>
+                        <a:t>mAP50</a:t>
+                      </a:r>
+                    </a:p>
+                  </a:txBody>
+                  <a:tcPr/>
+                </a:tc>
+                <a:tc>
+                  <a:txBody>
+                    <a:bodyPr/>
+                    <a:lstStyle/>
+                    <a:p>
+                      <a:r>
+                        <a:rPr lang="en-PH" dirty="0"/>
+                        <a:t>mAP50-95</a:t>
+                      </a:r>
+                    </a:p>
+                  </a:txBody>
+                  <a:tcPr/>
+                </a:tc>
+                <a:extLst>
+                  <a:ext uri="{0D108BD9-81ED-4DB2-BD59-A6C34878D82A}">
+                    <a16:rowId xmlns:a16="http://schemas.microsoft.com/office/drawing/2014/main" val="3177620532"/>
+                  </a:ext>
+                </a:extLst>
+              </a:tr>
+              <a:tr h="370840">
+                <a:tc>
+                  <a:txBody>
+                    <a:bodyPr/>
+                    <a:lstStyle/>
+                    <a:p>
+                      <a:r>
+                        <a:rPr lang="en-PH" dirty="0"/>
+                        <a:t>YOLO11 M Segment</a:t>
+                      </a:r>
+                    </a:p>
+                  </a:txBody>
+                  <a:tcPr/>
+                </a:tc>
+                <a:tc>
+                  <a:txBody>
+                    <a:bodyPr/>
+                    <a:lstStyle/>
+                    <a:p>
+                      <a:pPr algn="r" fontAlgn="b"/>
+                      <a:r>
+                        <a:rPr lang="en-PH" sz="2000" b="0" i="0" u="none" strike="noStrike" dirty="0">
+                          <a:solidFill>
+                            <a:srgbClr val="000000"/>
+                          </a:solidFill>
+                          <a:effectLst/>
+                          <a:latin typeface="Aptos Narrow" panose="020B0004020202020204" pitchFamily="34" charset="0"/>
+                        </a:rPr>
+                        <a:t>0.95386</a:t>
+                      </a:r>
+                    </a:p>
+                  </a:txBody>
+                  <a:tcPr marL="5443" marR="5443" marT="5443" marB="0" anchor="b"/>
+                </a:tc>
+                <a:tc>
+                  <a:txBody>
+                    <a:bodyPr/>
+                    <a:lstStyle/>
+                    <a:p>
+                      <a:pPr algn="r" fontAlgn="b"/>
+                      <a:r>
+                        <a:rPr lang="en-PH" sz="2000" b="0" i="0" u="none" strike="noStrike">
+                          <a:solidFill>
+                            <a:srgbClr val="000000"/>
+                          </a:solidFill>
+                          <a:effectLst/>
+                          <a:latin typeface="Aptos Narrow" panose="020B0004020202020204" pitchFamily="34" charset="0"/>
+                        </a:rPr>
+                        <a:t>0.92581</a:t>
+                      </a:r>
+                    </a:p>
+                  </a:txBody>
+                  <a:tcPr marL="5443" marR="5443" marT="5443" marB="0" anchor="b"/>
+                </a:tc>
+                <a:tc>
+                  <a:txBody>
+                    <a:bodyPr/>
+                    <a:lstStyle/>
+                    <a:p>
+                      <a:pPr algn="r" fontAlgn="b"/>
+                      <a:r>
+                        <a:rPr lang="en-PH" sz="2000" b="0" i="0" u="none" strike="noStrike">
+                          <a:solidFill>
+                            <a:srgbClr val="000000"/>
+                          </a:solidFill>
+                          <a:effectLst/>
+                          <a:latin typeface="Aptos Narrow" panose="020B0004020202020204" pitchFamily="34" charset="0"/>
+                        </a:rPr>
+                        <a:t>0.9384</a:t>
+                      </a:r>
+                    </a:p>
+                  </a:txBody>
+                  <a:tcPr marL="5443" marR="5443" marT="5443" marB="0" anchor="b"/>
+                </a:tc>
+                <a:tc>
+                  <a:txBody>
+                    <a:bodyPr/>
+                    <a:lstStyle/>
+                    <a:p>
+                      <a:pPr algn="r" fontAlgn="b"/>
+                      <a:r>
+                        <a:rPr lang="en-PH" sz="2000" b="0" i="0" u="none" strike="noStrike" dirty="0">
+                          <a:solidFill>
+                            <a:srgbClr val="000000"/>
+                          </a:solidFill>
+                          <a:effectLst/>
+                          <a:latin typeface="Aptos Narrow" panose="020B0004020202020204" pitchFamily="34" charset="0"/>
+                        </a:rPr>
+                        <a:t>0.8758</a:t>
+                      </a:r>
+                    </a:p>
+                  </a:txBody>
+                  <a:tcPr marL="5443" marR="5443" marT="5443" marB="0" anchor="b"/>
+                </a:tc>
+                <a:extLst>
+                  <a:ext uri="{0D108BD9-81ED-4DB2-BD59-A6C34878D82A}">
+                    <a16:rowId xmlns:a16="http://schemas.microsoft.com/office/drawing/2014/main" val="1851728896"/>
+                  </a:ext>
+                </a:extLst>
+              </a:tr>
+              <a:tr h="370840">
+                <a:tc>
+                  <a:txBody>
+                    <a:bodyPr/>
+                    <a:lstStyle/>
+                    <a:p>
+                      <a:r>
+                        <a:rPr lang="en-PH" dirty="0"/>
+                        <a:t>YOLO11 S Segment</a:t>
+                      </a:r>
+                    </a:p>
+                  </a:txBody>
+                  <a:tcPr/>
+                </a:tc>
+                <a:tc>
+                  <a:txBody>
+                    <a:bodyPr/>
+                    <a:lstStyle/>
+                    <a:p>
+                      <a:pPr algn="r" fontAlgn="b"/>
+                      <a:r>
+                        <a:rPr lang="en-PH" sz="2000" b="0" i="0" u="none" strike="noStrike" dirty="0">
+                          <a:solidFill>
+                            <a:srgbClr val="000000"/>
+                          </a:solidFill>
+                          <a:effectLst/>
+                          <a:latin typeface="Aptos Narrow" panose="020B0004020202020204" pitchFamily="34" charset="0"/>
+                        </a:rPr>
+                        <a:t>0.95634</a:t>
+                      </a:r>
+                    </a:p>
+                  </a:txBody>
+                  <a:tcPr marL="5443" marR="5443" marT="5443" marB="0" anchor="b"/>
+                </a:tc>
+                <a:tc>
+                  <a:txBody>
+                    <a:bodyPr/>
+                    <a:lstStyle/>
+                    <a:p>
+                      <a:pPr algn="r" fontAlgn="b"/>
+                      <a:r>
+                        <a:rPr lang="en-PH" sz="2000" b="0" i="0" u="none" strike="noStrike">
+                          <a:solidFill>
+                            <a:srgbClr val="000000"/>
+                          </a:solidFill>
+                          <a:effectLst/>
+                          <a:latin typeface="Aptos Narrow" panose="020B0004020202020204" pitchFamily="34" charset="0"/>
+                        </a:rPr>
+                        <a:t>0.9161</a:t>
+                      </a:r>
+                    </a:p>
+                  </a:txBody>
+                  <a:tcPr marL="5443" marR="5443" marT="5443" marB="0" anchor="b"/>
+                </a:tc>
+                <a:tc>
+                  <a:txBody>
+                    <a:bodyPr/>
+                    <a:lstStyle/>
+                    <a:p>
+                      <a:pPr algn="r" fontAlgn="b"/>
+                      <a:r>
+                        <a:rPr lang="en-PH" sz="2000" b="0" i="0" u="none" strike="noStrike">
+                          <a:solidFill>
+                            <a:srgbClr val="000000"/>
+                          </a:solidFill>
+                          <a:effectLst/>
+                          <a:latin typeface="Aptos Narrow" panose="020B0004020202020204" pitchFamily="34" charset="0"/>
+                        </a:rPr>
+                        <a:t>0.93181</a:t>
+                      </a:r>
+                    </a:p>
+                  </a:txBody>
+                  <a:tcPr marL="5443" marR="5443" marT="5443" marB="0" anchor="b"/>
+                </a:tc>
+                <a:tc>
+                  <a:txBody>
+                    <a:bodyPr/>
+                    <a:lstStyle/>
+                    <a:p>
+                      <a:pPr algn="r" fontAlgn="b"/>
+                      <a:r>
+                        <a:rPr lang="en-PH" sz="2000" b="0" i="0" u="none" strike="noStrike" dirty="0">
+                          <a:solidFill>
+                            <a:srgbClr val="000000"/>
+                          </a:solidFill>
+                          <a:effectLst/>
+                          <a:latin typeface="Aptos Narrow" panose="020B0004020202020204" pitchFamily="34" charset="0"/>
+                        </a:rPr>
+                        <a:t>0.84751</a:t>
+                      </a:r>
+                    </a:p>
+                  </a:txBody>
+                  <a:tcPr marL="5443" marR="5443" marT="5443" marB="0" anchor="b"/>
+                </a:tc>
+                <a:extLst>
+                  <a:ext uri="{0D108BD9-81ED-4DB2-BD59-A6C34878D82A}">
+                    <a16:rowId xmlns:a16="http://schemas.microsoft.com/office/drawing/2014/main" val="1517685085"/>
+                  </a:ext>
+                </a:extLst>
+              </a:tr>
+              <a:tr h="370840">
+                <a:tc>
+                  <a:txBody>
+                    <a:bodyPr/>
+                    <a:lstStyle/>
+                    <a:p>
+                      <a:r>
+                        <a:rPr lang="en-PH" dirty="0"/>
+                        <a:t>YOLO11 N</a:t>
+                      </a:r>
+                    </a:p>
+                    <a:p>
+                      <a:r>
+                        <a:rPr lang="en-PH" dirty="0"/>
+                        <a:t>Segment</a:t>
+                      </a:r>
+                    </a:p>
+                  </a:txBody>
+                  <a:tcPr/>
+                </a:tc>
+                <a:tc>
+                  <a:txBody>
+                    <a:bodyPr/>
+                    <a:lstStyle/>
+                    <a:p>
+                      <a:pPr algn="r" fontAlgn="b"/>
+                      <a:r>
+                        <a:rPr lang="en-PH" sz="2000" b="0" i="0" u="none" strike="noStrike" dirty="0">
+                          <a:solidFill>
+                            <a:srgbClr val="000000"/>
+                          </a:solidFill>
+                          <a:effectLst/>
+                          <a:latin typeface="Aptos Narrow" panose="020B0004020202020204" pitchFamily="34" charset="0"/>
+                        </a:rPr>
+                        <a:t>0.95788</a:t>
+                      </a:r>
+                    </a:p>
+                  </a:txBody>
+                  <a:tcPr marL="5443" marR="5443" marT="5443" marB="0" anchor="b"/>
+                </a:tc>
+                <a:tc>
+                  <a:txBody>
+                    <a:bodyPr/>
+                    <a:lstStyle/>
+                    <a:p>
+                      <a:pPr algn="r" fontAlgn="b"/>
+                      <a:r>
+                        <a:rPr lang="en-PH" sz="2000" b="0" i="0" u="none" strike="noStrike">
+                          <a:solidFill>
+                            <a:srgbClr val="000000"/>
+                          </a:solidFill>
+                          <a:effectLst/>
+                          <a:latin typeface="Aptos Narrow" panose="020B0004020202020204" pitchFamily="34" charset="0"/>
+                        </a:rPr>
+                        <a:t>0.92526</a:t>
+                      </a:r>
+                    </a:p>
+                  </a:txBody>
+                  <a:tcPr marL="5443" marR="5443" marT="5443" marB="0" anchor="b"/>
+                </a:tc>
+                <a:tc>
+                  <a:txBody>
+                    <a:bodyPr/>
+                    <a:lstStyle/>
+                    <a:p>
+                      <a:pPr algn="r" fontAlgn="b"/>
+                      <a:r>
+                        <a:rPr lang="en-PH" sz="2000" b="0" i="0" u="none" strike="noStrike">
+                          <a:solidFill>
+                            <a:srgbClr val="000000"/>
+                          </a:solidFill>
+                          <a:effectLst/>
+                          <a:latin typeface="Aptos Narrow" panose="020B0004020202020204" pitchFamily="34" charset="0"/>
+                        </a:rPr>
+                        <a:t>0.93911</a:t>
+                      </a:r>
+                    </a:p>
+                  </a:txBody>
+                  <a:tcPr marL="5443" marR="5443" marT="5443" marB="0" anchor="b"/>
+                </a:tc>
+                <a:tc>
+                  <a:txBody>
+                    <a:bodyPr/>
+                    <a:lstStyle/>
+                    <a:p>
+                      <a:pPr algn="r" fontAlgn="b"/>
+                      <a:r>
+                        <a:rPr lang="en-PH" sz="2000" b="0" i="0" u="none" strike="noStrike" dirty="0">
+                          <a:solidFill>
+                            <a:srgbClr val="000000"/>
+                          </a:solidFill>
+                          <a:effectLst/>
+                          <a:latin typeface="Aptos Narrow" panose="020B0004020202020204" pitchFamily="34" charset="0"/>
+                        </a:rPr>
+                        <a:t>0.87137</a:t>
+                      </a:r>
+                    </a:p>
+                  </a:txBody>
+                  <a:tcPr marL="5443" marR="5443" marT="5443" marB="0" anchor="b"/>
+                </a:tc>
+                <a:extLst>
+                  <a:ext uri="{0D108BD9-81ED-4DB2-BD59-A6C34878D82A}">
+                    <a16:rowId xmlns:a16="http://schemas.microsoft.com/office/drawing/2014/main" val="3579438407"/>
+                  </a:ext>
+                </a:extLst>
+              </a:tr>
+            </a:tbl>
+          </a:graphicData>
+        </a:graphic>
+      </p:graphicFrame>
     </p:spTree>
     <p:extLst>
       <p:ext uri="{BB962C8B-B14F-4D97-AF65-F5344CB8AC3E}">

--- a/ME 5 Presentation.pptx
+++ b/ME 5 Presentation.pptx
@@ -4530,6 +4530,219 @@
           </a:graphicData>
         </a:graphic>
       </p:graphicFrame>
+      <p:sp>
+        <p:nvSpPr>
+          <p:cNvPr id="6" name="Content Placeholder 2">
+            <a:extLst>
+              <a:ext uri="{FF2B5EF4-FFF2-40B4-BE49-F238E27FC236}">
+                <a16:creationId xmlns:a16="http://schemas.microsoft.com/office/drawing/2014/main" id="{85EF18FF-5D4A-F99D-62CA-B20E8ED86BEE}"/>
+              </a:ext>
+            </a:extLst>
+          </p:cNvPr>
+          <p:cNvSpPr txBox="1">
+            <a:spLocks/>
+          </p:cNvSpPr>
+          <p:nvPr/>
+        </p:nvSpPr>
+        <p:spPr>
+          <a:xfrm>
+            <a:off x="491350" y="4241587"/>
+            <a:ext cx="6000890" cy="1951980"/>
+          </a:xfrm>
+          <a:prstGeom prst="rect">
+            <a:avLst/>
+          </a:prstGeom>
+        </p:spPr>
+        <p:txBody>
+          <a:bodyPr vert="horz" lIns="91440" tIns="45720" rIns="91440" bIns="45720" rtlCol="0">
+            <a:normAutofit/>
+          </a:bodyPr>
+          <a:lstStyle>
+            <a:lvl1pPr marL="228600" indent="-228600" algn="l" defTabSz="914400" rtl="0" eaLnBrk="1" latinLnBrk="0" hangingPunct="1">
+              <a:lnSpc>
+                <a:spcPct val="90000"/>
+              </a:lnSpc>
+              <a:spcBef>
+                <a:spcPts val="1000"/>
+              </a:spcBef>
+              <a:buFont typeface="Arial" panose="020B0604020202020204" pitchFamily="34" charset="0"/>
+              <a:buChar char="•"/>
+              <a:defRPr sz="2800" kern="1200">
+                <a:solidFill>
+                  <a:schemeClr val="tx1"/>
+                </a:solidFill>
+                <a:latin typeface="+mn-lt"/>
+                <a:ea typeface="+mn-ea"/>
+                <a:cs typeface="+mn-cs"/>
+              </a:defRPr>
+            </a:lvl1pPr>
+            <a:lvl2pPr marL="685800" indent="-228600" algn="l" defTabSz="914400" rtl="0" eaLnBrk="1" latinLnBrk="0" hangingPunct="1">
+              <a:lnSpc>
+                <a:spcPct val="90000"/>
+              </a:lnSpc>
+              <a:spcBef>
+                <a:spcPts val="500"/>
+              </a:spcBef>
+              <a:buFont typeface="Arial" panose="020B0604020202020204" pitchFamily="34" charset="0"/>
+              <a:buChar char="•"/>
+              <a:defRPr sz="2400" kern="1200">
+                <a:solidFill>
+                  <a:schemeClr val="tx1"/>
+                </a:solidFill>
+                <a:latin typeface="+mn-lt"/>
+                <a:ea typeface="+mn-ea"/>
+                <a:cs typeface="+mn-cs"/>
+              </a:defRPr>
+            </a:lvl2pPr>
+            <a:lvl3pPr marL="1143000" indent="-228600" algn="l" defTabSz="914400" rtl="0" eaLnBrk="1" latinLnBrk="0" hangingPunct="1">
+              <a:lnSpc>
+                <a:spcPct val="90000"/>
+              </a:lnSpc>
+              <a:spcBef>
+                <a:spcPts val="500"/>
+              </a:spcBef>
+              <a:buFont typeface="Arial" panose="020B0604020202020204" pitchFamily="34" charset="0"/>
+              <a:buChar char="•"/>
+              <a:defRPr sz="2000" kern="1200">
+                <a:solidFill>
+                  <a:schemeClr val="tx1"/>
+                </a:solidFill>
+                <a:latin typeface="+mn-lt"/>
+                <a:ea typeface="+mn-ea"/>
+                <a:cs typeface="+mn-cs"/>
+              </a:defRPr>
+            </a:lvl3pPr>
+            <a:lvl4pPr marL="1600200" indent="-228600" algn="l" defTabSz="914400" rtl="0" eaLnBrk="1" latinLnBrk="0" hangingPunct="1">
+              <a:lnSpc>
+                <a:spcPct val="90000"/>
+              </a:lnSpc>
+              <a:spcBef>
+                <a:spcPts val="500"/>
+              </a:spcBef>
+              <a:buFont typeface="Arial" panose="020B0604020202020204" pitchFamily="34" charset="0"/>
+              <a:buChar char="•"/>
+              <a:defRPr sz="1800" kern="1200">
+                <a:solidFill>
+                  <a:schemeClr val="tx1"/>
+                </a:solidFill>
+                <a:latin typeface="+mn-lt"/>
+                <a:ea typeface="+mn-ea"/>
+                <a:cs typeface="+mn-cs"/>
+              </a:defRPr>
+            </a:lvl4pPr>
+            <a:lvl5pPr marL="2057400" indent="-228600" algn="l" defTabSz="914400" rtl="0" eaLnBrk="1" latinLnBrk="0" hangingPunct="1">
+              <a:lnSpc>
+                <a:spcPct val="90000"/>
+              </a:lnSpc>
+              <a:spcBef>
+                <a:spcPts val="500"/>
+              </a:spcBef>
+              <a:buFont typeface="Arial" panose="020B0604020202020204" pitchFamily="34" charset="0"/>
+              <a:buChar char="•"/>
+              <a:defRPr sz="1800" kern="1200">
+                <a:solidFill>
+                  <a:schemeClr val="tx1"/>
+                </a:solidFill>
+                <a:latin typeface="+mn-lt"/>
+                <a:ea typeface="+mn-ea"/>
+                <a:cs typeface="+mn-cs"/>
+              </a:defRPr>
+            </a:lvl5pPr>
+            <a:lvl6pPr marL="2514600" indent="-228600" algn="l" defTabSz="914400" rtl="0" eaLnBrk="1" latinLnBrk="0" hangingPunct="1">
+              <a:lnSpc>
+                <a:spcPct val="90000"/>
+              </a:lnSpc>
+              <a:spcBef>
+                <a:spcPts val="500"/>
+              </a:spcBef>
+              <a:buFont typeface="Arial" panose="020B0604020202020204" pitchFamily="34" charset="0"/>
+              <a:buChar char="•"/>
+              <a:defRPr sz="1800" kern="1200">
+                <a:solidFill>
+                  <a:schemeClr val="tx1"/>
+                </a:solidFill>
+                <a:latin typeface="+mn-lt"/>
+                <a:ea typeface="+mn-ea"/>
+                <a:cs typeface="+mn-cs"/>
+              </a:defRPr>
+            </a:lvl6pPr>
+            <a:lvl7pPr marL="2971800" indent="-228600" algn="l" defTabSz="914400" rtl="0" eaLnBrk="1" latinLnBrk="0" hangingPunct="1">
+              <a:lnSpc>
+                <a:spcPct val="90000"/>
+              </a:lnSpc>
+              <a:spcBef>
+                <a:spcPts val="500"/>
+              </a:spcBef>
+              <a:buFont typeface="Arial" panose="020B0604020202020204" pitchFamily="34" charset="0"/>
+              <a:buChar char="•"/>
+              <a:defRPr sz="1800" kern="1200">
+                <a:solidFill>
+                  <a:schemeClr val="tx1"/>
+                </a:solidFill>
+                <a:latin typeface="+mn-lt"/>
+                <a:ea typeface="+mn-ea"/>
+                <a:cs typeface="+mn-cs"/>
+              </a:defRPr>
+            </a:lvl7pPr>
+            <a:lvl8pPr marL="3429000" indent="-228600" algn="l" defTabSz="914400" rtl="0" eaLnBrk="1" latinLnBrk="0" hangingPunct="1">
+              <a:lnSpc>
+                <a:spcPct val="90000"/>
+              </a:lnSpc>
+              <a:spcBef>
+                <a:spcPts val="500"/>
+              </a:spcBef>
+              <a:buFont typeface="Arial" panose="020B0604020202020204" pitchFamily="34" charset="0"/>
+              <a:buChar char="•"/>
+              <a:defRPr sz="1800" kern="1200">
+                <a:solidFill>
+                  <a:schemeClr val="tx1"/>
+                </a:solidFill>
+                <a:latin typeface="+mn-lt"/>
+                <a:ea typeface="+mn-ea"/>
+                <a:cs typeface="+mn-cs"/>
+              </a:defRPr>
+            </a:lvl8pPr>
+            <a:lvl9pPr marL="3886200" indent="-228600" algn="l" defTabSz="914400" rtl="0" eaLnBrk="1" latinLnBrk="0" hangingPunct="1">
+              <a:lnSpc>
+                <a:spcPct val="90000"/>
+              </a:lnSpc>
+              <a:spcBef>
+                <a:spcPts val="500"/>
+              </a:spcBef>
+              <a:buFont typeface="Arial" panose="020B0604020202020204" pitchFamily="34" charset="0"/>
+              <a:buChar char="•"/>
+              <a:defRPr sz="1800" kern="1200">
+                <a:solidFill>
+                  <a:schemeClr val="tx1"/>
+                </a:solidFill>
+                <a:latin typeface="+mn-lt"/>
+                <a:ea typeface="+mn-ea"/>
+                <a:cs typeface="+mn-cs"/>
+              </a:defRPr>
+            </a:lvl9pPr>
+          </a:lstStyle>
+          <a:p>
+            <a:r>
+              <a:rPr lang="en-PH" sz="2200" dirty="0"/>
+              <a:t>High precision and recall (precision is higher)</a:t>
+            </a:r>
+          </a:p>
+          <a:p>
+            <a:r>
+              <a:rPr lang="en-PH" sz="2200" dirty="0"/>
+              <a:t>“Mosaic” used in training until 400</a:t>
+            </a:r>
+            <a:r>
+              <a:rPr lang="en-PH" sz="2200" baseline="30000" dirty="0"/>
+              <a:t>th</a:t>
+            </a:r>
+            <a:r>
+              <a:rPr lang="en-PH" sz="2200" dirty="0"/>
+              <a:t> epoch, explaining decrease in segmentation loss</a:t>
+            </a:r>
+          </a:p>
+        </p:txBody>
+      </p:sp>
     </p:spTree>
     <p:extLst>
       <p:ext uri="{BB962C8B-B14F-4D97-AF65-F5344CB8AC3E}">
@@ -4546,6 +4759,14 @@
 <file path=ppt/slides/slide3.xml><?xml version="1.0" encoding="utf-8"?>
 <p:sld xmlns:a="http://schemas.openxmlformats.org/drawingml/2006/main" xmlns:r="http://schemas.openxmlformats.org/officeDocument/2006/relationships" xmlns:p="http://schemas.openxmlformats.org/presentationml/2006/main">
   <p:cSld>
+    <p:bg>
+      <p:bgPr>
+        <a:solidFill>
+          <a:schemeClr val="bg1"/>
+        </a:solidFill>
+        <a:effectLst/>
+      </p:bgPr>
+    </p:bg>
     <p:spTree>
       <p:nvGrpSpPr>
         <p:cNvPr id="1" name=""/>
@@ -4560,6 +4781,66 @@
           <a:chExt cx="0" cy="0"/>
         </a:xfrm>
       </p:grpSpPr>
+      <p:sp useBgFill="1">
+        <p:nvSpPr>
+          <p:cNvPr id="10" name="Rectangle 9">
+            <a:extLst>
+              <a:ext uri="{FF2B5EF4-FFF2-40B4-BE49-F238E27FC236}">
+                <a16:creationId xmlns:a16="http://schemas.microsoft.com/office/drawing/2014/main" id="{2B97F24A-32CE-4C1C-A50D-3016B394DCFB}"/>
+              </a:ext>
+              <a:ext uri="{C183D7F6-B498-43B3-948B-1728B52AA6E4}">
+                <adec:decorative xmlns:adec="http://schemas.microsoft.com/office/drawing/2017/decorative" val="1"/>
+              </a:ext>
+            </a:extLst>
+          </p:cNvPr>
+          <p:cNvSpPr>
+            <a:spLocks noGrp="1" noRot="1" noChangeAspect="1" noMove="1" noResize="1" noEditPoints="1" noAdjustHandles="1" noChangeArrowheads="1" noChangeShapeType="1" noTextEdit="1"/>
+          </p:cNvSpPr>
+          <p:nvPr>
+            <p:extLst>
+              <p:ext uri="{386F3935-93C4-4BCD-93E2-E3B085C9AB24}">
+                <p16:designElem xmlns:p16="http://schemas.microsoft.com/office/powerpoint/2015/main" val="1"/>
+              </p:ext>
+            </p:extLst>
+          </p:nvPr>
+        </p:nvSpPr>
+        <p:spPr>
+          <a:xfrm>
+            <a:off x="0" y="0"/>
+            <a:ext cx="12192000" cy="6858000"/>
+          </a:xfrm>
+          <a:prstGeom prst="rect">
+            <a:avLst/>
+          </a:prstGeom>
+          <a:ln>
+            <a:noFill/>
+          </a:ln>
+        </p:spPr>
+        <p:style>
+          <a:lnRef idx="2">
+            <a:schemeClr val="accent1">
+              <a:shade val="50000"/>
+            </a:schemeClr>
+          </a:lnRef>
+          <a:fillRef idx="1">
+            <a:schemeClr val="accent1"/>
+          </a:fillRef>
+          <a:effectRef idx="0">
+            <a:schemeClr val="accent1"/>
+          </a:effectRef>
+          <a:fontRef idx="minor">
+            <a:schemeClr val="lt1"/>
+          </a:fontRef>
+        </p:style>
+        <p:txBody>
+          <a:bodyPr rtlCol="0" anchor="ctr"/>
+          <a:lstStyle/>
+          <a:p>
+            <a:pPr algn="ctr"/>
+            <a:endParaRPr lang="en-US"/>
+          </a:p>
+        </p:txBody>
+      </p:sp>
       <p:sp>
         <p:nvSpPr>
           <p:cNvPr id="2" name="Title 1">
@@ -4576,13 +4857,20 @@
             <p:ph type="title"/>
           </p:nvPr>
         </p:nvSpPr>
-        <p:spPr/>
-        <p:txBody>
-          <a:bodyPr/>
-          <a:lstStyle/>
-          <a:p>
-            <a:r>
-              <a:rPr lang="en-PH" dirty="0"/>
+        <p:spPr>
+          <a:xfrm>
+            <a:off x="630936" y="639520"/>
+            <a:ext cx="3429000" cy="1719072"/>
+          </a:xfrm>
+        </p:spPr>
+        <p:txBody>
+          <a:bodyPr anchor="b">
+            <a:normAutofit/>
+          </a:bodyPr>
+          <a:lstStyle/>
+          <a:p>
+            <a:r>
+              <a:rPr lang="en-PH" sz="5400"/>
               <a:t>Application</a:t>
             </a:r>
           </a:p>
@@ -4590,6 +4878,279 @@
       </p:sp>
       <p:sp>
         <p:nvSpPr>
+          <p:cNvPr id="12" name="sketch line">
+            <a:extLst>
+              <a:ext uri="{FF2B5EF4-FFF2-40B4-BE49-F238E27FC236}">
+                <a16:creationId xmlns:a16="http://schemas.microsoft.com/office/drawing/2014/main" id="{CD8B4F24-440B-49E9-B85D-733523DC064B}"/>
+              </a:ext>
+              <a:ext uri="{C183D7F6-B498-43B3-948B-1728B52AA6E4}">
+                <adec:decorative xmlns:adec="http://schemas.microsoft.com/office/drawing/2017/decorative" val="1"/>
+              </a:ext>
+            </a:extLst>
+          </p:cNvPr>
+          <p:cNvSpPr>
+            <a:spLocks noGrp="1" noRot="1" noChangeAspect="1" noMove="1" noResize="1" noEditPoints="1" noAdjustHandles="1" noChangeArrowheads="1" noChangeShapeType="1" noTextEdit="1"/>
+          </p:cNvSpPr>
+          <p:nvPr>
+            <p:extLst>
+              <p:ext uri="{386F3935-93C4-4BCD-93E2-E3B085C9AB24}">
+                <p16:designElem xmlns:p16="http://schemas.microsoft.com/office/powerpoint/2015/main" val="1"/>
+              </p:ext>
+            </p:extLst>
+          </p:nvPr>
+        </p:nvSpPr>
+        <p:spPr>
+          <a:xfrm>
+            <a:off x="643278" y="2573756"/>
+            <a:ext cx="3255095" cy="18288"/>
+          </a:xfrm>
+          <a:custGeom>
+            <a:avLst/>
+            <a:gdLst>
+              <a:gd name="connsiteX0" fmla="*/ 0 w 3255095"/>
+              <a:gd name="connsiteY0" fmla="*/ 0 h 18288"/>
+              <a:gd name="connsiteX1" fmla="*/ 618468 w 3255095"/>
+              <a:gd name="connsiteY1" fmla="*/ 0 h 18288"/>
+              <a:gd name="connsiteX2" fmla="*/ 1269487 w 3255095"/>
+              <a:gd name="connsiteY2" fmla="*/ 0 h 18288"/>
+              <a:gd name="connsiteX3" fmla="*/ 1953057 w 3255095"/>
+              <a:gd name="connsiteY3" fmla="*/ 0 h 18288"/>
+              <a:gd name="connsiteX4" fmla="*/ 2636627 w 3255095"/>
+              <a:gd name="connsiteY4" fmla="*/ 0 h 18288"/>
+              <a:gd name="connsiteX5" fmla="*/ 3255095 w 3255095"/>
+              <a:gd name="connsiteY5" fmla="*/ 0 h 18288"/>
+              <a:gd name="connsiteX6" fmla="*/ 3255095 w 3255095"/>
+              <a:gd name="connsiteY6" fmla="*/ 18288 h 18288"/>
+              <a:gd name="connsiteX7" fmla="*/ 2538974 w 3255095"/>
+              <a:gd name="connsiteY7" fmla="*/ 18288 h 18288"/>
+              <a:gd name="connsiteX8" fmla="*/ 1822853 w 3255095"/>
+              <a:gd name="connsiteY8" fmla="*/ 18288 h 18288"/>
+              <a:gd name="connsiteX9" fmla="*/ 1171834 w 3255095"/>
+              <a:gd name="connsiteY9" fmla="*/ 18288 h 18288"/>
+              <a:gd name="connsiteX10" fmla="*/ 0 w 3255095"/>
+              <a:gd name="connsiteY10" fmla="*/ 18288 h 18288"/>
+              <a:gd name="connsiteX11" fmla="*/ 0 w 3255095"/>
+              <a:gd name="connsiteY11" fmla="*/ 0 h 18288"/>
+            </a:gdLst>
+            <a:ahLst/>
+            <a:cxnLst>
+              <a:cxn ang="0">
+                <a:pos x="connsiteX0" y="connsiteY0"/>
+              </a:cxn>
+              <a:cxn ang="0">
+                <a:pos x="connsiteX1" y="connsiteY1"/>
+              </a:cxn>
+              <a:cxn ang="0">
+                <a:pos x="connsiteX2" y="connsiteY2"/>
+              </a:cxn>
+              <a:cxn ang="0">
+                <a:pos x="connsiteX3" y="connsiteY3"/>
+              </a:cxn>
+              <a:cxn ang="0">
+                <a:pos x="connsiteX4" y="connsiteY4"/>
+              </a:cxn>
+              <a:cxn ang="0">
+                <a:pos x="connsiteX5" y="connsiteY5"/>
+              </a:cxn>
+              <a:cxn ang="0">
+                <a:pos x="connsiteX6" y="connsiteY6"/>
+              </a:cxn>
+              <a:cxn ang="0">
+                <a:pos x="connsiteX7" y="connsiteY7"/>
+              </a:cxn>
+              <a:cxn ang="0">
+                <a:pos x="connsiteX8" y="connsiteY8"/>
+              </a:cxn>
+              <a:cxn ang="0">
+                <a:pos x="connsiteX9" y="connsiteY9"/>
+              </a:cxn>
+              <a:cxn ang="0">
+                <a:pos x="connsiteX10" y="connsiteY10"/>
+              </a:cxn>
+              <a:cxn ang="0">
+                <a:pos x="connsiteX11" y="connsiteY11"/>
+              </a:cxn>
+            </a:cxnLst>
+            <a:rect l="l" t="t" r="r" b="b"/>
+            <a:pathLst>
+              <a:path w="3255095" h="18288" fill="none" extrusionOk="0">
+                <a:moveTo>
+                  <a:pt x="0" y="0"/>
+                </a:moveTo>
+                <a:cubicBezTo>
+                  <a:pt x="240201" y="-22123"/>
+                  <a:pt x="462021" y="-19623"/>
+                  <a:pt x="618468" y="0"/>
+                </a:cubicBezTo>
+                <a:cubicBezTo>
+                  <a:pt x="774915" y="19623"/>
+                  <a:pt x="974734" y="2035"/>
+                  <a:pt x="1269487" y="0"/>
+                </a:cubicBezTo>
+                <a:cubicBezTo>
+                  <a:pt x="1564240" y="-2035"/>
+                  <a:pt x="1733579" y="10639"/>
+                  <a:pt x="1953057" y="0"/>
+                </a:cubicBezTo>
+                <a:cubicBezTo>
+                  <a:pt x="2172535" y="-10639"/>
+                  <a:pt x="2453962" y="14018"/>
+                  <a:pt x="2636627" y="0"/>
+                </a:cubicBezTo>
+                <a:cubicBezTo>
+                  <a:pt x="2819292" y="-14018"/>
+                  <a:pt x="3121375" y="5399"/>
+                  <a:pt x="3255095" y="0"/>
+                </a:cubicBezTo>
+                <a:cubicBezTo>
+                  <a:pt x="3254386" y="8157"/>
+                  <a:pt x="3254682" y="12125"/>
+                  <a:pt x="3255095" y="18288"/>
+                </a:cubicBezTo>
+                <a:cubicBezTo>
+                  <a:pt x="3088545" y="23203"/>
+                  <a:pt x="2687475" y="7419"/>
+                  <a:pt x="2538974" y="18288"/>
+                </a:cubicBezTo>
+                <a:cubicBezTo>
+                  <a:pt x="2390473" y="29157"/>
+                  <a:pt x="2137381" y="-8959"/>
+                  <a:pt x="1822853" y="18288"/>
+                </a:cubicBezTo>
+                <a:cubicBezTo>
+                  <a:pt x="1508325" y="45535"/>
+                  <a:pt x="1466437" y="20385"/>
+                  <a:pt x="1171834" y="18288"/>
+                </a:cubicBezTo>
+                <a:cubicBezTo>
+                  <a:pt x="877231" y="16191"/>
+                  <a:pt x="561097" y="37643"/>
+                  <a:pt x="0" y="18288"/>
+                </a:cubicBezTo>
+                <a:cubicBezTo>
+                  <a:pt x="-46" y="12483"/>
+                  <a:pt x="-203" y="6491"/>
+                  <a:pt x="0" y="0"/>
+                </a:cubicBezTo>
+                <a:close/>
+              </a:path>
+              <a:path w="3255095" h="18288" stroke="0" extrusionOk="0">
+                <a:moveTo>
+                  <a:pt x="0" y="0"/>
+                </a:moveTo>
+                <a:cubicBezTo>
+                  <a:pt x="291965" y="19429"/>
+                  <a:pt x="363155" y="8568"/>
+                  <a:pt x="618468" y="0"/>
+                </a:cubicBezTo>
+                <a:cubicBezTo>
+                  <a:pt x="873781" y="-8568"/>
+                  <a:pt x="904459" y="-19505"/>
+                  <a:pt x="1171834" y="0"/>
+                </a:cubicBezTo>
+                <a:cubicBezTo>
+                  <a:pt x="1439209" y="19505"/>
+                  <a:pt x="1744369" y="9790"/>
+                  <a:pt x="1887955" y="0"/>
+                </a:cubicBezTo>
+                <a:cubicBezTo>
+                  <a:pt x="2031541" y="-9790"/>
+                  <a:pt x="2346378" y="21240"/>
+                  <a:pt x="2506423" y="0"/>
+                </a:cubicBezTo>
+                <a:cubicBezTo>
+                  <a:pt x="2666468" y="-21240"/>
+                  <a:pt x="2990257" y="30414"/>
+                  <a:pt x="3255095" y="0"/>
+                </a:cubicBezTo>
+                <a:cubicBezTo>
+                  <a:pt x="3254831" y="4493"/>
+                  <a:pt x="3255479" y="9472"/>
+                  <a:pt x="3255095" y="18288"/>
+                </a:cubicBezTo>
+                <a:cubicBezTo>
+                  <a:pt x="3120743" y="16690"/>
+                  <a:pt x="2759628" y="42462"/>
+                  <a:pt x="2604076" y="18288"/>
+                </a:cubicBezTo>
+                <a:cubicBezTo>
+                  <a:pt x="2448524" y="-5886"/>
+                  <a:pt x="2184336" y="19599"/>
+                  <a:pt x="1887955" y="18288"/>
+                </a:cubicBezTo>
+                <a:cubicBezTo>
+                  <a:pt x="1591574" y="16977"/>
+                  <a:pt x="1548845" y="6870"/>
+                  <a:pt x="1334589" y="18288"/>
+                </a:cubicBezTo>
+                <a:cubicBezTo>
+                  <a:pt x="1120333" y="29706"/>
+                  <a:pt x="996014" y="9662"/>
+                  <a:pt x="683570" y="18288"/>
+                </a:cubicBezTo>
+                <a:cubicBezTo>
+                  <a:pt x="371126" y="26914"/>
+                  <a:pt x="198687" y="16167"/>
+                  <a:pt x="0" y="18288"/>
+                </a:cubicBezTo>
+                <a:cubicBezTo>
+                  <a:pt x="843" y="9577"/>
+                  <a:pt x="371" y="6900"/>
+                  <a:pt x="0" y="0"/>
+                </a:cubicBezTo>
+                <a:close/>
+              </a:path>
+            </a:pathLst>
+          </a:custGeom>
+          <a:solidFill>
+            <a:schemeClr val="accent2"/>
+          </a:solidFill>
+          <a:ln w="38100" cap="rnd">
+            <a:solidFill>
+              <a:schemeClr val="accent2"/>
+            </a:solidFill>
+            <a:round/>
+            <a:extLst>
+              <a:ext uri="{C807C97D-BFC1-408E-A445-0C87EB9F89A2}">
+                <ask:lineSketchStyleProps xmlns:ask="http://schemas.microsoft.com/office/drawing/2018/sketchyshapes" sd="1219033472">
+                  <a:prstGeom prst="rect">
+                    <a:avLst/>
+                  </a:prstGeom>
+                  <ask:type>
+                    <ask:lineSketchFreehand/>
+                  </ask:type>
+                </ask:lineSketchStyleProps>
+              </a:ext>
+            </a:extLst>
+          </a:ln>
+        </p:spPr>
+        <p:style>
+          <a:lnRef idx="2">
+            <a:schemeClr val="accent1">
+              <a:shade val="50000"/>
+            </a:schemeClr>
+          </a:lnRef>
+          <a:fillRef idx="1">
+            <a:schemeClr val="accent1"/>
+          </a:fillRef>
+          <a:effectRef idx="0">
+            <a:schemeClr val="accent1"/>
+          </a:effectRef>
+          <a:fontRef idx="minor">
+            <a:schemeClr val="lt1"/>
+          </a:fontRef>
+        </p:style>
+        <p:txBody>
+          <a:bodyPr rtlCol="0" anchor="ctr"/>
+          <a:lstStyle/>
+          <a:p>
+            <a:pPr algn="ctr"/>
+            <a:endParaRPr lang="en-US"/>
+          </a:p>
+        </p:txBody>
+      </p:sp>
+      <p:sp>
+        <p:nvSpPr>
           <p:cNvPr id="3" name="Content Placeholder 2">
             <a:extLst>
               <a:ext uri="{FF2B5EF4-FFF2-40B4-BE49-F238E27FC236}">
@@ -4604,29 +5165,106 @@
             <p:ph idx="1"/>
           </p:nvPr>
         </p:nvSpPr>
-        <p:spPr/>
-        <p:txBody>
-          <a:bodyPr/>
-          <a:lstStyle/>
-          <a:p>
-            <a:r>
-              <a:rPr lang="en-PH" dirty="0"/>
+        <p:spPr>
+          <a:xfrm>
+            <a:off x="630936" y="2807208"/>
+            <a:ext cx="3895988" cy="3410712"/>
+          </a:xfrm>
+        </p:spPr>
+        <p:txBody>
+          <a:bodyPr anchor="t">
+            <a:normAutofit/>
+          </a:bodyPr>
+          <a:lstStyle/>
+          <a:p>
+            <a:r>
+              <a:rPr lang="en-PH" sz="2200" dirty="0"/>
               <a:t>Uses </a:t>
             </a:r>
             <a:r>
-              <a:rPr lang="en-PH" dirty="0" err="1"/>
+              <a:rPr lang="en-PH" sz="2200" dirty="0" err="1"/>
               <a:t>streamlit</a:t>
             </a:r>
             <a:r>
-              <a:rPr lang="en-PH" dirty="0"/>
-              <a:t> frontend</a:t>
-            </a:r>
-          </a:p>
-          <a:p>
-            <a:endParaRPr lang="en-PH" dirty="0"/>
-          </a:p>
-        </p:txBody>
-      </p:sp>
+              <a:rPr lang="en-PH" sz="2200" dirty="0"/>
+              <a:t> for client frontend</a:t>
+            </a:r>
+          </a:p>
+          <a:p>
+            <a:r>
+              <a:rPr lang="en-PH" sz="2200" dirty="0"/>
+              <a:t>Supports local inference and server-side inference (with server script to process images)</a:t>
+            </a:r>
+          </a:p>
+          <a:p>
+            <a:r>
+              <a:rPr lang="en-PH" sz="2200" dirty="0"/>
+              <a:t>Can select one or more specific class to segment</a:t>
+            </a:r>
+          </a:p>
+          <a:p>
+            <a:endParaRPr lang="en-PH" sz="2200" dirty="0"/>
+          </a:p>
+        </p:txBody>
+      </p:sp>
+      <p:pic>
+        <p:nvPicPr>
+          <p:cNvPr id="5" name="Picture 4" descr="A screenshot of a computer&#10;&#10;Description automatically generated">
+            <a:extLst>
+              <a:ext uri="{FF2B5EF4-FFF2-40B4-BE49-F238E27FC236}">
+                <a16:creationId xmlns:a16="http://schemas.microsoft.com/office/drawing/2014/main" id="{F91B1BC8-84F9-3277-E5BA-0C362B383C4A}"/>
+              </a:ext>
+            </a:extLst>
+          </p:cNvPr>
+          <p:cNvPicPr>
+            <a:picLocks noChangeAspect="1"/>
+          </p:cNvPicPr>
+          <p:nvPr/>
+        </p:nvPicPr>
+        <p:blipFill>
+          <a:blip r:embed="rId2"/>
+          <a:srcRect b="16363"/>
+          <a:stretch/>
+        </p:blipFill>
+        <p:spPr>
+          <a:xfrm>
+            <a:off x="4690872" y="508408"/>
+            <a:ext cx="6903720" cy="3348977"/>
+          </a:xfrm>
+          <a:prstGeom prst="rect">
+            <a:avLst/>
+          </a:prstGeom>
+        </p:spPr>
+      </p:pic>
+      <p:pic>
+        <p:nvPicPr>
+          <p:cNvPr id="9" name="Picture 8">
+            <a:extLst>
+              <a:ext uri="{FF2B5EF4-FFF2-40B4-BE49-F238E27FC236}">
+                <a16:creationId xmlns:a16="http://schemas.microsoft.com/office/drawing/2014/main" id="{B80032D4-C757-605F-94FF-AD49B4E03057}"/>
+              </a:ext>
+            </a:extLst>
+          </p:cNvPr>
+          <p:cNvPicPr>
+            <a:picLocks noChangeAspect="1"/>
+          </p:cNvPicPr>
+          <p:nvPr/>
+        </p:nvPicPr>
+        <p:blipFill>
+          <a:blip r:embed="rId3"/>
+          <a:srcRect t="15489" b="32497"/>
+          <a:stretch/>
+        </p:blipFill>
+        <p:spPr>
+          <a:xfrm>
+            <a:off x="4784329" y="4172430"/>
+            <a:ext cx="6810264" cy="1790380"/>
+          </a:xfrm>
+          <a:prstGeom prst="rect">
+            <a:avLst/>
+          </a:prstGeom>
+        </p:spPr>
+      </p:pic>
     </p:spTree>
     <p:extLst>
       <p:ext uri="{BB962C8B-B14F-4D97-AF65-F5344CB8AC3E}">
